--- a/01-MachineLearning/02-machinelearning.pptx
+++ b/01-MachineLearning/02-machinelearning.pptx
@@ -138,6 +138,14 @@
 </p:presentation>
 </file>
 
+<file path=ppt/revisionInfo.xml><?xml version="1.0" encoding="utf-8"?>
+<p1510:revInfo xmlns:a="http://schemas.openxmlformats.org/drawingml/2006/main" xmlns:r="http://schemas.openxmlformats.org/officeDocument/2006/relationships" xmlns:p1510="http://schemas.microsoft.com/office/powerpoint/2015/10/main">
+  <p1510:revLst>
+    <p1510:client id="{51917A01-ED55-38D4-3B08-BE1186E17A9D}" v="3" dt="2022-11-03T10:55:11.172"/>
+  </p1510:revLst>
+</p1510:revInfo>
+</file>
+
 <file path=ppt/diagrams/colors1.xml><?xml version="1.0" encoding="utf-8"?>
 <dgm:colorsDef xmlns:dgm="http://schemas.openxmlformats.org/drawingml/2006/diagram" xmlns:a="http://schemas.openxmlformats.org/drawingml/2006/main" uniqueId="urn:microsoft.com/office/officeart/2005/8/colors/accent1_2">
   <dgm:title val=""/>
@@ -1637,48 +1645,6 @@
   <dgm:ptLst>
     <dgm:pt modelId="{43080D54-461E-47FF-9F23-74DB8B81554A}" type="doc">
       <dgm:prSet loTypeId="urn:microsoft.com/office/officeart/2018/2/layout/IconVerticalSolidList" loCatId="icon" qsTypeId="urn:microsoft.com/office/officeart/2005/8/quickstyle/simple1" qsCatId="simple" csTypeId="urn:microsoft.com/office/officeart/2005/8/colors/accent1_2" csCatId="accent1" phldr="1"/>
-      <dgm:spPr/>
-      <dgm:t>
-        <a:bodyPr/>
-        <a:lstStyle/>
-        <a:p>
-          <a:endParaRPr lang="en-US"/>
-        </a:p>
-      </dgm:t>
-    </dgm:pt>
-    <dgm:pt modelId="{E24FEA54-9DD2-4DFF-8D08-E9690922B0AC}">
-      <dgm:prSet/>
-      <dgm:spPr/>
-      <dgm:t>
-        <a:bodyPr/>
-        <a:lstStyle/>
-        <a:p>
-          <a:pPr>
-            <a:lnSpc>
-              <a:spcPct val="100000"/>
-            </a:lnSpc>
-          </a:pPr>
-          <a:r>
-            <a:rPr lang="it-IT" dirty="0"/>
-            <a:t>Open the browser</a:t>
-          </a:r>
-          <a:endParaRPr lang="en-US" dirty="0"/>
-        </a:p>
-      </dgm:t>
-    </dgm:pt>
-    <dgm:pt modelId="{A70BBCD7-F648-4D1A-B529-06EECE5139D1}" type="parTrans" cxnId="{8D6A9359-00F3-494C-9354-9D1E586E9A68}">
-      <dgm:prSet/>
-      <dgm:spPr/>
-      <dgm:t>
-        <a:bodyPr/>
-        <a:lstStyle/>
-        <a:p>
-          <a:endParaRPr lang="en-US"/>
-        </a:p>
-      </dgm:t>
-    </dgm:pt>
-    <dgm:pt modelId="{8B401ED7-476B-4977-AC83-7D8108466F4B}" type="sibTrans" cxnId="{8D6A9359-00F3-494C-9354-9D1E586E9A68}">
-      <dgm:prSet/>
       <dgm:spPr/>
       <dgm:t>
         <a:bodyPr/>
@@ -1706,7 +1672,17 @@
           </a:r>
           <a:r>
             <a:rPr lang="it-IT" dirty="0"/>
-            <a:t> the notebook `03-Housing-MachineLearning`</a:t>
+            <a:t> the notebook `</a:t>
+          </a:r>
+          <a:r>
+            <a:rPr lang="it-IT" dirty="0">
+              <a:latin typeface="Calibri Light" panose="020F0302020204030204"/>
+            </a:rPr>
+            <a:t>02-MachineLearning</a:t>
+          </a:r>
+          <a:r>
+            <a:rPr lang="it-IT" dirty="0"/>
+            <a:t>`</a:t>
           </a:r>
           <a:endParaRPr lang="en-US" dirty="0"/>
         </a:p>
@@ -1743,75 +1719,25 @@
       </dgm:prSet>
       <dgm:spPr/>
     </dgm:pt>
-    <dgm:pt modelId="{3767F8DC-1F9F-4EFB-A2C5-FE015F3F074A}" type="pres">
-      <dgm:prSet presAssocID="{E24FEA54-9DD2-4DFF-8D08-E9690922B0AC}" presName="compNode" presStyleCnt="0"/>
-      <dgm:spPr/>
-    </dgm:pt>
-    <dgm:pt modelId="{C458BD67-BD9B-4B75-B2C9-A64481E261B9}" type="pres">
-      <dgm:prSet presAssocID="{E24FEA54-9DD2-4DFF-8D08-E9690922B0AC}" presName="bgRect" presStyleLbl="bgShp" presStyleIdx="0" presStyleCnt="2"/>
-      <dgm:spPr/>
-    </dgm:pt>
-    <dgm:pt modelId="{6D01FA83-B0A1-4A6B-BDA2-A67450453F79}" type="pres">
-      <dgm:prSet presAssocID="{E24FEA54-9DD2-4DFF-8D08-E9690922B0AC}" presName="iconRect" presStyleLbl="node1" presStyleIdx="0" presStyleCnt="2"/>
-      <dgm:spPr>
-        <a:blipFill>
-          <a:blip xmlns:r="http://schemas.openxmlformats.org/officeDocument/2006/relationships" r:embed="rId1">
-            <a:extLst>
-              <a:ext uri="{28A0092B-C50C-407E-A947-70E740481C1C}">
-                <a14:useLocalDpi xmlns:a14="http://schemas.microsoft.com/office/drawing/2010/main" val="0"/>
-              </a:ext>
-              <a:ext uri="{96DAC541-7B7A-43D3-8B79-37D633B846F1}">
-                <asvg:svgBlip xmlns:asvg="http://schemas.microsoft.com/office/drawing/2016/SVG/main" r:embed="rId2"/>
-              </a:ext>
-            </a:extLst>
-          </a:blip>
-          <a:stretch>
-            <a:fillRect/>
-          </a:stretch>
-        </a:blipFill>
-      </dgm:spPr>
-      <dgm:extLst>
-        <a:ext uri="{E40237B7-FDA0-4F09-8148-C483321AD2D9}">
-          <dgm14:cNvPr xmlns:dgm14="http://schemas.microsoft.com/office/drawing/2010/diagram" id="0" name="" descr="Browser Window"/>
-        </a:ext>
-      </dgm:extLst>
-    </dgm:pt>
-    <dgm:pt modelId="{743B9422-5CC2-4866-A6C4-E5D459CA0EC4}" type="pres">
-      <dgm:prSet presAssocID="{E24FEA54-9DD2-4DFF-8D08-E9690922B0AC}" presName="spaceRect" presStyleCnt="0"/>
-      <dgm:spPr/>
-    </dgm:pt>
-    <dgm:pt modelId="{61F75FB0-16F6-40FF-9661-5436EF9CAD59}" type="pres">
-      <dgm:prSet presAssocID="{E24FEA54-9DD2-4DFF-8D08-E9690922B0AC}" presName="parTx" presStyleLbl="revTx" presStyleIdx="0" presStyleCnt="2">
-        <dgm:presLayoutVars>
-          <dgm:chMax val="0"/>
-          <dgm:chPref val="0"/>
-        </dgm:presLayoutVars>
-      </dgm:prSet>
-      <dgm:spPr/>
-    </dgm:pt>
-    <dgm:pt modelId="{753E5E70-7D20-40F0-8078-AE06389BB4C3}" type="pres">
-      <dgm:prSet presAssocID="{8B401ED7-476B-4977-AC83-7D8108466F4B}" presName="sibTrans" presStyleCnt="0"/>
-      <dgm:spPr/>
-    </dgm:pt>
     <dgm:pt modelId="{026673A8-96C7-4153-8D53-0A2D2B7676AD}" type="pres">
       <dgm:prSet presAssocID="{17FD767B-8850-4DC5-838B-B9810308666D}" presName="compNode" presStyleCnt="0"/>
       <dgm:spPr/>
     </dgm:pt>
     <dgm:pt modelId="{F29911C8-8EE1-4D05-A76D-5562C7675D34}" type="pres">
-      <dgm:prSet presAssocID="{17FD767B-8850-4DC5-838B-B9810308666D}" presName="bgRect" presStyleLbl="bgShp" presStyleIdx="1" presStyleCnt="2"/>
+      <dgm:prSet presAssocID="{17FD767B-8850-4DC5-838B-B9810308666D}" presName="bgRect" presStyleLbl="bgShp" presStyleIdx="0" presStyleCnt="1"/>
       <dgm:spPr/>
     </dgm:pt>
     <dgm:pt modelId="{BFF34BF5-75F7-48DF-BD47-00DCEBBE3548}" type="pres">
-      <dgm:prSet presAssocID="{17FD767B-8850-4DC5-838B-B9810308666D}" presName="iconRect" presStyleLbl="node1" presStyleIdx="1" presStyleCnt="2"/>
+      <dgm:prSet presAssocID="{17FD767B-8850-4DC5-838B-B9810308666D}" presName="iconRect" presStyleLbl="node1" presStyleIdx="0" presStyleCnt="1"/>
       <dgm:spPr>
         <a:blipFill>
-          <a:blip xmlns:r="http://schemas.openxmlformats.org/officeDocument/2006/relationships" r:embed="rId3">
+          <a:blip xmlns:r="http://schemas.openxmlformats.org/officeDocument/2006/relationships" r:embed="rId1">
             <a:extLst>
               <a:ext uri="{28A0092B-C50C-407E-A947-70E740481C1C}">
                 <a14:useLocalDpi xmlns:a14="http://schemas.microsoft.com/office/drawing/2010/main" val="0"/>
               </a:ext>
               <a:ext uri="{96DAC541-7B7A-43D3-8B79-37D633B846F1}">
-                <asvg:svgBlip xmlns:asvg="http://schemas.microsoft.com/office/drawing/2016/SVG/main" r:embed="rId4"/>
+                <asvg:svgBlip xmlns:asvg="http://schemas.microsoft.com/office/drawing/2016/SVG/main" r:embed="rId2"/>
               </a:ext>
             </a:extLst>
           </a:blip>
@@ -1831,7 +1757,7 @@
       <dgm:spPr/>
     </dgm:pt>
     <dgm:pt modelId="{661B8371-F462-499B-A18D-E624F207C581}" type="pres">
-      <dgm:prSet presAssocID="{17FD767B-8850-4DC5-838B-B9810308666D}" presName="parTx" presStyleLbl="revTx" presStyleIdx="1" presStyleCnt="2">
+      <dgm:prSet presAssocID="{17FD767B-8850-4DC5-838B-B9810308666D}" presName="parTx" presStyleLbl="revTx" presStyleIdx="0" presStyleCnt="1">
         <dgm:presLayoutVars>
           <dgm:chMax val="0"/>
           <dgm:chPref val="0"/>
@@ -1843,16 +1769,8 @@
   <dgm:cxnLst>
     <dgm:cxn modelId="{E369551A-0CAA-43A2-9977-43936AB8D857}" type="presOf" srcId="{17FD767B-8850-4DC5-838B-B9810308666D}" destId="{661B8371-F462-499B-A18D-E624F207C581}" srcOrd="0" destOrd="0" presId="urn:microsoft.com/office/officeart/2018/2/layout/IconVerticalSolidList"/>
     <dgm:cxn modelId="{A2BC4675-E065-491D-B58E-258652CB1BD3}" type="presOf" srcId="{43080D54-461E-47FF-9F23-74DB8B81554A}" destId="{89ABC053-9CDA-4711-BD71-AFA62AE0C2EB}" srcOrd="0" destOrd="0" presId="urn:microsoft.com/office/officeart/2018/2/layout/IconVerticalSolidList"/>
-    <dgm:cxn modelId="{8D6A9359-00F3-494C-9354-9D1E586E9A68}" srcId="{43080D54-461E-47FF-9F23-74DB8B81554A}" destId="{E24FEA54-9DD2-4DFF-8D08-E9690922B0AC}" srcOrd="0" destOrd="0" parTransId="{A70BBCD7-F648-4D1A-B529-06EECE5139D1}" sibTransId="{8B401ED7-476B-4977-AC83-7D8108466F4B}"/>
-    <dgm:cxn modelId="{E203F99D-55EF-497B-B4DE-FA32FF3DD410}" type="presOf" srcId="{E24FEA54-9DD2-4DFF-8D08-E9690922B0AC}" destId="{61F75FB0-16F6-40FF-9661-5436EF9CAD59}" srcOrd="0" destOrd="0" presId="urn:microsoft.com/office/officeart/2018/2/layout/IconVerticalSolidList"/>
-    <dgm:cxn modelId="{80EBFDAE-31AD-4D65-96A7-CBCC84157EAA}" srcId="{43080D54-461E-47FF-9F23-74DB8B81554A}" destId="{17FD767B-8850-4DC5-838B-B9810308666D}" srcOrd="1" destOrd="0" parTransId="{8A21885B-E326-4223-BF59-A6BC29BD324F}" sibTransId="{1EC73261-59D8-4BC1-A77F-440060C4CE5E}"/>
-    <dgm:cxn modelId="{95701E78-612C-4393-8319-B4C5AD4C507F}" type="presParOf" srcId="{89ABC053-9CDA-4711-BD71-AFA62AE0C2EB}" destId="{3767F8DC-1F9F-4EFB-A2C5-FE015F3F074A}" srcOrd="0" destOrd="0" presId="urn:microsoft.com/office/officeart/2018/2/layout/IconVerticalSolidList"/>
-    <dgm:cxn modelId="{A0A1D114-5239-417F-A288-99AEB8E137BD}" type="presParOf" srcId="{3767F8DC-1F9F-4EFB-A2C5-FE015F3F074A}" destId="{C458BD67-BD9B-4B75-B2C9-A64481E261B9}" srcOrd="0" destOrd="0" presId="urn:microsoft.com/office/officeart/2018/2/layout/IconVerticalSolidList"/>
-    <dgm:cxn modelId="{4E672CA5-35C9-4E52-8925-C3023816C0E1}" type="presParOf" srcId="{3767F8DC-1F9F-4EFB-A2C5-FE015F3F074A}" destId="{6D01FA83-B0A1-4A6B-BDA2-A67450453F79}" srcOrd="1" destOrd="0" presId="urn:microsoft.com/office/officeart/2018/2/layout/IconVerticalSolidList"/>
-    <dgm:cxn modelId="{95B4AE0C-303D-4356-BB3E-7973334899F0}" type="presParOf" srcId="{3767F8DC-1F9F-4EFB-A2C5-FE015F3F074A}" destId="{743B9422-5CC2-4866-A6C4-E5D459CA0EC4}" srcOrd="2" destOrd="0" presId="urn:microsoft.com/office/officeart/2018/2/layout/IconVerticalSolidList"/>
-    <dgm:cxn modelId="{81F7A077-B5A3-4BC8-A128-770415CBE4D7}" type="presParOf" srcId="{3767F8DC-1F9F-4EFB-A2C5-FE015F3F074A}" destId="{61F75FB0-16F6-40FF-9661-5436EF9CAD59}" srcOrd="3" destOrd="0" presId="urn:microsoft.com/office/officeart/2018/2/layout/IconVerticalSolidList"/>
-    <dgm:cxn modelId="{16775C30-7F3D-4EE9-9403-A437DEBDFA27}" type="presParOf" srcId="{89ABC053-9CDA-4711-BD71-AFA62AE0C2EB}" destId="{753E5E70-7D20-40F0-8078-AE06389BB4C3}" srcOrd="1" destOrd="0" presId="urn:microsoft.com/office/officeart/2018/2/layout/IconVerticalSolidList"/>
-    <dgm:cxn modelId="{6A1A8377-79B3-425D-ADDB-4DFA94AABE85}" type="presParOf" srcId="{89ABC053-9CDA-4711-BD71-AFA62AE0C2EB}" destId="{026673A8-96C7-4153-8D53-0A2D2B7676AD}" srcOrd="2" destOrd="0" presId="urn:microsoft.com/office/officeart/2018/2/layout/IconVerticalSolidList"/>
+    <dgm:cxn modelId="{80EBFDAE-31AD-4D65-96A7-CBCC84157EAA}" srcId="{43080D54-461E-47FF-9F23-74DB8B81554A}" destId="{17FD767B-8850-4DC5-838B-B9810308666D}" srcOrd="0" destOrd="0" parTransId="{8A21885B-E326-4223-BF59-A6BC29BD324F}" sibTransId="{1EC73261-59D8-4BC1-A77F-440060C4CE5E}"/>
+    <dgm:cxn modelId="{6A1A8377-79B3-425D-ADDB-4DFA94AABE85}" type="presParOf" srcId="{89ABC053-9CDA-4711-BD71-AFA62AE0C2EB}" destId="{026673A8-96C7-4153-8D53-0A2D2B7676AD}" srcOrd="0" destOrd="0" presId="urn:microsoft.com/office/officeart/2018/2/layout/IconVerticalSolidList"/>
     <dgm:cxn modelId="{A8419B70-8F0D-4C13-AC30-1708B53E8B05}" type="presParOf" srcId="{026673A8-96C7-4153-8D53-0A2D2B7676AD}" destId="{F29911C8-8EE1-4D05-A76D-5562C7675D34}" srcOrd="0" destOrd="0" presId="urn:microsoft.com/office/officeart/2018/2/layout/IconVerticalSolidList"/>
     <dgm:cxn modelId="{D7B45FD7-F5D2-4703-8920-EA674A9736DD}" type="presParOf" srcId="{026673A8-96C7-4153-8D53-0A2D2B7676AD}" destId="{BFF34BF5-75F7-48DF-BD47-00DCEBBE3548}" srcOrd="1" destOrd="0" presId="urn:microsoft.com/office/officeart/2018/2/layout/IconVerticalSolidList"/>
     <dgm:cxn modelId="{279C8F0B-E54B-4466-AB3C-77FBC6DA7AC5}" type="presParOf" srcId="{026673A8-96C7-4153-8D53-0A2D2B7676AD}" destId="{B5FF5596-1E0D-4B76-8F3F-8EAD99B09F58}" srcOrd="2" destOrd="0" presId="urn:microsoft.com/office/officeart/2018/2/layout/IconVerticalSolidList"/>
@@ -2420,166 +2338,6 @@
       <dsp:cNvGrpSpPr/>
     </dsp:nvGrpSpPr>
     <dsp:grpSpPr/>
-    <dsp:sp modelId="{C458BD67-BD9B-4B75-B2C9-A64481E261B9}">
-      <dsp:nvSpPr>
-        <dsp:cNvPr id="0" name=""/>
-        <dsp:cNvSpPr/>
-      </dsp:nvSpPr>
-      <dsp:spPr>
-        <a:xfrm>
-          <a:off x="0" y="707092"/>
-          <a:ext cx="5586350" cy="1305401"/>
-        </a:xfrm>
-        <a:prstGeom prst="roundRect">
-          <a:avLst>
-            <a:gd name="adj" fmla="val 10000"/>
-          </a:avLst>
-        </a:prstGeom>
-        <a:solidFill>
-          <a:schemeClr val="accent1">
-            <a:tint val="40000"/>
-            <a:hueOff val="0"/>
-            <a:satOff val="0"/>
-            <a:lumOff val="0"/>
-            <a:alphaOff val="0"/>
-          </a:schemeClr>
-        </a:solidFill>
-        <a:ln>
-          <a:noFill/>
-        </a:ln>
-        <a:effectLst/>
-      </dsp:spPr>
-      <dsp:style>
-        <a:lnRef idx="0">
-          <a:scrgbClr r="0" g="0" b="0"/>
-        </a:lnRef>
-        <a:fillRef idx="1">
-          <a:scrgbClr r="0" g="0" b="0"/>
-        </a:fillRef>
-        <a:effectRef idx="0">
-          <a:scrgbClr r="0" g="0" b="0"/>
-        </a:effectRef>
-        <a:fontRef idx="minor"/>
-      </dsp:style>
-    </dsp:sp>
-    <dsp:sp modelId="{6D01FA83-B0A1-4A6B-BDA2-A67450453F79}">
-      <dsp:nvSpPr>
-        <dsp:cNvPr id="0" name=""/>
-        <dsp:cNvSpPr/>
-      </dsp:nvSpPr>
-      <dsp:spPr>
-        <a:xfrm>
-          <a:off x="394883" y="1000807"/>
-          <a:ext cx="717970" cy="717970"/>
-        </a:xfrm>
-        <a:prstGeom prst="rect">
-          <a:avLst/>
-        </a:prstGeom>
-        <a:blipFill>
-          <a:blip xmlns:r="http://schemas.openxmlformats.org/officeDocument/2006/relationships" r:embed="rId1">
-            <a:extLst>
-              <a:ext uri="{28A0092B-C50C-407E-A947-70E740481C1C}">
-                <a14:useLocalDpi xmlns:a14="http://schemas.microsoft.com/office/drawing/2010/main" val="0"/>
-              </a:ext>
-              <a:ext uri="{96DAC541-7B7A-43D3-8B79-37D633B846F1}">
-                <asvg:svgBlip xmlns:asvg="http://schemas.microsoft.com/office/drawing/2016/SVG/main" r:embed="rId2"/>
-              </a:ext>
-            </a:extLst>
-          </a:blip>
-          <a:stretch>
-            <a:fillRect/>
-          </a:stretch>
-        </a:blipFill>
-        <a:ln w="12700" cap="flat" cmpd="sng" algn="ctr">
-          <a:solidFill>
-            <a:schemeClr val="lt1">
-              <a:hueOff val="0"/>
-              <a:satOff val="0"/>
-              <a:lumOff val="0"/>
-              <a:alphaOff val="0"/>
-            </a:schemeClr>
-          </a:solidFill>
-          <a:prstDash val="solid"/>
-          <a:miter lim="800000"/>
-        </a:ln>
-        <a:effectLst/>
-      </dsp:spPr>
-      <dsp:style>
-        <a:lnRef idx="2">
-          <a:scrgbClr r="0" g="0" b="0"/>
-        </a:lnRef>
-        <a:fillRef idx="1">
-          <a:scrgbClr r="0" g="0" b="0"/>
-        </a:fillRef>
-        <a:effectRef idx="0">
-          <a:scrgbClr r="0" g="0" b="0"/>
-        </a:effectRef>
-        <a:fontRef idx="minor">
-          <a:schemeClr val="lt1"/>
-        </a:fontRef>
-      </dsp:style>
-    </dsp:sp>
-    <dsp:sp modelId="{61F75FB0-16F6-40FF-9661-5436EF9CAD59}">
-      <dsp:nvSpPr>
-        <dsp:cNvPr id="0" name=""/>
-        <dsp:cNvSpPr/>
-      </dsp:nvSpPr>
-      <dsp:spPr>
-        <a:xfrm>
-          <a:off x="1507738" y="707092"/>
-          <a:ext cx="4078612" cy="1305401"/>
-        </a:xfrm>
-        <a:prstGeom prst="rect">
-          <a:avLst/>
-        </a:prstGeom>
-        <a:noFill/>
-        <a:ln>
-          <a:noFill/>
-        </a:ln>
-        <a:effectLst/>
-      </dsp:spPr>
-      <dsp:style>
-        <a:lnRef idx="0">
-          <a:scrgbClr r="0" g="0" b="0"/>
-        </a:lnRef>
-        <a:fillRef idx="0">
-          <a:scrgbClr r="0" g="0" b="0"/>
-        </a:fillRef>
-        <a:effectRef idx="0">
-          <a:scrgbClr r="0" g="0" b="0"/>
-        </a:effectRef>
-        <a:fontRef idx="minor"/>
-      </dsp:style>
-      <dsp:txBody>
-        <a:bodyPr spcFirstLastPara="0" vert="horz" wrap="square" lIns="138155" tIns="138155" rIns="138155" bIns="138155" numCol="1" spcCol="1270" anchor="ctr" anchorCtr="0">
-          <a:noAutofit/>
-        </a:bodyPr>
-        <a:lstStyle/>
-        <a:p>
-          <a:pPr marL="0" lvl="0" indent="0" algn="l" defTabSz="1111250">
-            <a:lnSpc>
-              <a:spcPct val="100000"/>
-            </a:lnSpc>
-            <a:spcBef>
-              <a:spcPct val="0"/>
-            </a:spcBef>
-            <a:spcAft>
-              <a:spcPct val="35000"/>
-            </a:spcAft>
-            <a:buNone/>
-          </a:pPr>
-          <a:r>
-            <a:rPr lang="it-IT" sz="2500" kern="1200" dirty="0"/>
-            <a:t>Open the browser</a:t>
-          </a:r>
-          <a:endParaRPr lang="en-US" sz="2500" kern="1200" dirty="0"/>
-        </a:p>
-      </dsp:txBody>
-      <dsp:txXfrm>
-        <a:off x="1507738" y="707092"/>
-        <a:ext cx="4078612" cy="1305401"/>
-      </dsp:txXfrm>
-    </dsp:sp>
     <dsp:sp modelId="{F29911C8-8EE1-4D05-A76D-5562C7675D34}">
       <dsp:nvSpPr>
         <dsp:cNvPr id="0" name=""/>
@@ -2587,7 +2345,7 @@
       </dsp:nvSpPr>
       <dsp:spPr>
         <a:xfrm>
-          <a:off x="0" y="2338844"/>
+          <a:off x="0" y="1522968"/>
           <a:ext cx="5586350" cy="1305401"/>
         </a:xfrm>
         <a:prstGeom prst="roundRect">
@@ -2629,20 +2387,20 @@
       </dsp:nvSpPr>
       <dsp:spPr>
         <a:xfrm>
-          <a:off x="394883" y="2632559"/>
+          <a:off x="394883" y="1816683"/>
           <a:ext cx="717970" cy="717970"/>
         </a:xfrm>
         <a:prstGeom prst="rect">
           <a:avLst/>
         </a:prstGeom>
         <a:blipFill>
-          <a:blip xmlns:r="http://schemas.openxmlformats.org/officeDocument/2006/relationships" r:embed="rId3">
+          <a:blip xmlns:r="http://schemas.openxmlformats.org/officeDocument/2006/relationships" r:embed="rId1">
             <a:extLst>
               <a:ext uri="{28A0092B-C50C-407E-A947-70E740481C1C}">
                 <a14:useLocalDpi xmlns:a14="http://schemas.microsoft.com/office/drawing/2010/main" val="0"/>
               </a:ext>
               <a:ext uri="{96DAC541-7B7A-43D3-8B79-37D633B846F1}">
-                <asvg:svgBlip xmlns:asvg="http://schemas.microsoft.com/office/drawing/2016/SVG/main" r:embed="rId4"/>
+                <asvg:svgBlip xmlns:asvg="http://schemas.microsoft.com/office/drawing/2016/SVG/main" r:embed="rId2"/>
               </a:ext>
             </a:extLst>
           </a:blip>
@@ -2686,7 +2444,7 @@
       </dsp:nvSpPr>
       <dsp:spPr>
         <a:xfrm>
-          <a:off x="1507738" y="2338844"/>
+          <a:off x="1507738" y="1522968"/>
           <a:ext cx="4078612" cy="1305401"/>
         </a:xfrm>
         <a:prstGeom prst="rect">
@@ -2734,13 +2492,23 @@
           </a:r>
           <a:r>
             <a:rPr lang="it-IT" sz="2500" kern="1200" dirty="0"/>
-            <a:t> the notebook `03-Housing-MachineLearning`</a:t>
+            <a:t> the notebook `</a:t>
+          </a:r>
+          <a:r>
+            <a:rPr lang="it-IT" sz="2500" kern="1200" dirty="0">
+              <a:latin typeface="Calibri Light" panose="020F0302020204030204"/>
+            </a:rPr>
+            <a:t>02-MachineLearning</a:t>
+          </a:r>
+          <a:r>
+            <a:rPr lang="it-IT" sz="2500" kern="1200" dirty="0"/>
+            <a:t>`</a:t>
           </a:r>
           <a:endParaRPr lang="en-US" sz="2500" kern="1200" dirty="0"/>
         </a:p>
       </dsp:txBody>
       <dsp:txXfrm>
-        <a:off x="1507738" y="2338844"/>
+        <a:off x="1507738" y="1522968"/>
         <a:ext cx="4078612" cy="1305401"/>
       </dsp:txXfrm>
     </dsp:sp>
@@ -6322,7 +6090,7 @@
           <a:p>
             <a:fld id="{02297A90-1AFB-4FA1-ADF2-69FD2D1230BA}" type="datetimeFigureOut">
               <a:rPr lang="en-US" smtClean="0"/>
-              <a:t>4/15/2022</a:t>
+              <a:t>11/3/2022</a:t>
             </a:fld>
             <a:endParaRPr lang="en-US"/>
           </a:p>
@@ -6400,7 +6168,7 @@
           <a:p>
             <a:fld id="{42AE2D9A-5B89-4689-B04D-3FBBAA04CE2B}" type="slidenum">
               <a:rPr lang="en-US" smtClean="0"/>
-              <a:t>‹N›</a:t>
+              <a:t>‹#›</a:t>
             </a:fld>
             <a:endParaRPr lang="en-US"/>
           </a:p>
@@ -6500,7 +6268,7 @@
           <a:p>
             <a:fld id="{2D15495C-7C85-4DFE-8C2B-354A7A489EB6}" type="datetimeFigureOut">
               <a:rPr lang="it-IT" smtClean="0"/>
-              <a:t>15/04/2022</a:t>
+              <a:t>03/11/2022</a:t>
             </a:fld>
             <a:endParaRPr lang="it-IT"/>
           </a:p>
@@ -6658,7 +6426,7 @@
           <a:p>
             <a:fld id="{D98EE9EE-A74D-4412-94DD-33E68A97493E}" type="slidenum">
               <a:rPr lang="it-IT" smtClean="0"/>
-              <a:t>‹N›</a:t>
+              <a:t>‹#›</a:t>
             </a:fld>
             <a:endParaRPr lang="it-IT"/>
           </a:p>
@@ -7591,7 +7359,7 @@
           <a:p>
             <a:fld id="{5DD6F1BA-2510-46FC-9346-AB1F3CA1593B}" type="slidenum">
               <a:rPr lang="it-IT" smtClean="0"/>
-              <a:t>‹N›</a:t>
+              <a:t>‹#›</a:t>
             </a:fld>
             <a:endParaRPr lang="it-IT"/>
           </a:p>
@@ -7860,7 +7628,7 @@
           <a:p>
             <a:fld id="{5DD6F1BA-2510-46FC-9346-AB1F3CA1593B}" type="slidenum">
               <a:rPr lang="it-IT" smtClean="0"/>
-              <a:t>‹N›</a:t>
+              <a:t>‹#›</a:t>
             </a:fld>
             <a:endParaRPr lang="it-IT"/>
           </a:p>
@@ -8044,7 +7812,7 @@
           <a:p>
             <a:fld id="{5DD6F1BA-2510-46FC-9346-AB1F3CA1593B}" type="slidenum">
               <a:rPr lang="it-IT" smtClean="0"/>
-              <a:t>‹N›</a:t>
+              <a:t>‹#›</a:t>
             </a:fld>
             <a:endParaRPr lang="it-IT"/>
           </a:p>
@@ -8233,7 +8001,7 @@
           <a:p>
             <a:fld id="{5DD6F1BA-2510-46FC-9346-AB1F3CA1593B}" type="slidenum">
               <a:rPr lang="it-IT" smtClean="0"/>
-              <a:t>‹N›</a:t>
+              <a:t>‹#›</a:t>
             </a:fld>
             <a:endParaRPr lang="it-IT"/>
           </a:p>
@@ -8414,7 +8182,7 @@
           <a:p>
             <a:fld id="{5DD6F1BA-2510-46FC-9346-AB1F3CA1593B}" type="slidenum">
               <a:rPr lang="it-IT" smtClean="0"/>
-              <a:t>‹N›</a:t>
+              <a:t>‹#›</a:t>
             </a:fld>
             <a:endParaRPr lang="it-IT"/>
           </a:p>
@@ -8633,7 +8401,7 @@
           <a:p>
             <a:fld id="{5DD6F1BA-2510-46FC-9346-AB1F3CA1593B}" type="slidenum">
               <a:rPr lang="it-IT" smtClean="0"/>
-              <a:t>‹N›</a:t>
+              <a:t>‹#›</a:t>
             </a:fld>
             <a:endParaRPr lang="it-IT"/>
           </a:p>
@@ -8822,7 +8590,7 @@
           <a:p>
             <a:fld id="{5DD6F1BA-2510-46FC-9346-AB1F3CA1593B}" type="slidenum">
               <a:rPr lang="it-IT" smtClean="0"/>
-              <a:t>‹N›</a:t>
+              <a:t>‹#›</a:t>
             </a:fld>
             <a:endParaRPr lang="it-IT"/>
           </a:p>
@@ -9178,7 +8946,7 @@
           <a:p>
             <a:fld id="{5DD6F1BA-2510-46FC-9346-AB1F3CA1593B}" type="slidenum">
               <a:rPr lang="it-IT" smtClean="0"/>
-              <a:t>‹N›</a:t>
+              <a:t>‹#›</a:t>
             </a:fld>
             <a:endParaRPr lang="it-IT"/>
           </a:p>
@@ -9425,7 +9193,7 @@
           <a:p>
             <a:fld id="{5DD6F1BA-2510-46FC-9346-AB1F3CA1593B}" type="slidenum">
               <a:rPr lang="it-IT" smtClean="0"/>
-              <a:t>‹N›</a:t>
+              <a:t>‹#›</a:t>
             </a:fld>
             <a:endParaRPr lang="it-IT"/>
           </a:p>
@@ -9853,7 +9621,7 @@
           <a:p>
             <a:fld id="{5DD6F1BA-2510-46FC-9346-AB1F3CA1593B}" type="slidenum">
               <a:rPr lang="it-IT" smtClean="0"/>
-              <a:t>‹N›</a:t>
+              <a:t>‹#›</a:t>
             </a:fld>
             <a:endParaRPr lang="it-IT"/>
           </a:p>
@@ -9977,7 +9745,7 @@
           <a:p>
             <a:fld id="{5DD6F1BA-2510-46FC-9346-AB1F3CA1593B}" type="slidenum">
               <a:rPr lang="it-IT" smtClean="0"/>
-              <a:t>‹N›</a:t>
+              <a:t>‹#›</a:t>
             </a:fld>
             <a:endParaRPr lang="it-IT"/>
           </a:p>
@@ -10098,7 +9866,7 @@
           <a:p>
             <a:fld id="{5DD6F1BA-2510-46FC-9346-AB1F3CA1593B}" type="slidenum">
               <a:rPr lang="it-IT" smtClean="0"/>
-              <a:t>‹N›</a:t>
+              <a:t>‹#›</a:t>
             </a:fld>
             <a:endParaRPr lang="it-IT"/>
           </a:p>
@@ -10351,7 +10119,7 @@
             <a:fld id="{5DD6F1BA-2510-46FC-9346-AB1F3CA1593B}" type="slidenum">
               <a:rPr lang="en-US" smtClean="0"/>
               <a:pPr/>
-              <a:t>‹N›</a:t>
+              <a:t>‹#›</a:t>
             </a:fld>
             <a:endParaRPr lang="en-US" dirty="0"/>
           </a:p>
@@ -15810,14 +15578,138 @@
           <a:p>
             <a:r>
               <a:rPr lang="en-US" sz="1200" dirty="0">
-                <a:hlinkClick r:id="rId7"/>
+                <a:latin typeface="Helvetica"/>
+                <a:cs typeface="Helvetica"/>
+                <a:hlinkClick r:id="rId7">
+                  <a:extLst>
+                    <a:ext uri="{A12FA001-AC4F-418D-AE19-62706E023703}">
+                      <ahyp:hlinkClr xmlns:ahyp="http://schemas.microsoft.com/office/drawing/2018/hyperlinkcolor" val="tx"/>
+                    </a:ext>
+                  </a:extLst>
+                </a:hlinkClick>
               </a:rPr>
-              <a:t>https://github.com/w4bo/2022-bbs-dm/blob/main/notebooks/03-Housing-MachineLearning.ipynb</a:t>
-            </a:r>
-            <a:r>
-              <a:rPr lang="en-US" sz="1200" dirty="0"/>
+              <a:t>https://github.com/w4bo/</a:t>
+            </a:r>
+            <a:r>
+              <a:rPr lang="en-US" dirty="0">
+                <a:latin typeface="Helvetica"/>
+                <a:cs typeface="Helvetica"/>
+                <a:hlinkClick r:id="rId7">
+                  <a:extLst>
+                    <a:ext uri="{A12FA001-AC4F-418D-AE19-62706E023703}">
+                      <ahyp:hlinkClr xmlns:ahyp="http://schemas.microsoft.com/office/drawing/2018/hyperlinkcolor" val="tx"/>
+                    </a:ext>
+                  </a:extLst>
+                </a:hlinkClick>
+              </a:rPr>
+              <a:t>2022-bbs-dsaa</a:t>
+            </a:r>
+            <a:r>
+              <a:rPr lang="en-US" sz="1200" dirty="0">
+                <a:latin typeface="Helvetica"/>
+                <a:cs typeface="Helvetica"/>
+                <a:hlinkClick r:id="rId7">
+                  <a:extLst>
+                    <a:ext uri="{A12FA001-AC4F-418D-AE19-62706E023703}">
+                      <ahyp:hlinkClr xmlns:ahyp="http://schemas.microsoft.com/office/drawing/2018/hyperlinkcolor" val="tx"/>
+                    </a:ext>
+                  </a:extLst>
+                </a:hlinkClick>
+              </a:rPr>
+              <a:t>/blob/</a:t>
+            </a:r>
+            <a:r>
+              <a:rPr lang="en-US" dirty="0">
+                <a:latin typeface="Helvetica"/>
+                <a:cs typeface="Helvetica"/>
+                <a:hlinkClick r:id="rId7">
+                  <a:extLst>
+                    <a:ext uri="{A12FA001-AC4F-418D-AE19-62706E023703}">
+                      <ahyp:hlinkClr xmlns:ahyp="http://schemas.microsoft.com/office/drawing/2018/hyperlinkcolor" val="tx"/>
+                    </a:ext>
+                  </a:extLst>
+                </a:hlinkClick>
+              </a:rPr>
+              <a:t>master</a:t>
+            </a:r>
+            <a:r>
+              <a:rPr lang="en-US" sz="1200" dirty="0">
+                <a:latin typeface="Helvetica"/>
+                <a:cs typeface="Helvetica"/>
+                <a:hlinkClick r:id="rId7">
+                  <a:extLst>
+                    <a:ext uri="{A12FA001-AC4F-418D-AE19-62706E023703}">
+                      <ahyp:hlinkClr xmlns:ahyp="http://schemas.microsoft.com/office/drawing/2018/hyperlinkcolor" val="tx"/>
+                    </a:ext>
+                  </a:extLst>
+                </a:hlinkClick>
+              </a:rPr>
+              <a:t>/</a:t>
+            </a:r>
+            <a:r>
+              <a:rPr lang="en-US" dirty="0">
+                <a:latin typeface="Helvetica"/>
+                <a:cs typeface="Helvetica"/>
+                <a:hlinkClick r:id="rId7">
+                  <a:extLst>
+                    <a:ext uri="{A12FA001-AC4F-418D-AE19-62706E023703}">
+                      <ahyp:hlinkClr xmlns:ahyp="http://schemas.microsoft.com/office/drawing/2018/hyperlinkcolor" val="tx"/>
+                    </a:ext>
+                  </a:extLst>
+                </a:hlinkClick>
+              </a:rPr>
+              <a:t>materials</a:t>
+            </a:r>
+            <a:r>
+              <a:rPr lang="en-US" sz="1200" dirty="0">
+                <a:latin typeface="Helvetica"/>
+                <a:cs typeface="Helvetica"/>
+                <a:hlinkClick r:id="rId7">
+                  <a:extLst>
+                    <a:ext uri="{A12FA001-AC4F-418D-AE19-62706E023703}">
+                      <ahyp:hlinkClr xmlns:ahyp="http://schemas.microsoft.com/office/drawing/2018/hyperlinkcolor" val="tx"/>
+                    </a:ext>
+                  </a:extLst>
+                </a:hlinkClick>
+              </a:rPr>
+              <a:t>/</a:t>
+            </a:r>
+            <a:r>
+              <a:rPr lang="en-US" dirty="0">
+                <a:latin typeface="Helvetica"/>
+                <a:cs typeface="Helvetica"/>
+                <a:hlinkClick r:id="rId7">
+                  <a:extLst>
+                    <a:ext uri="{A12FA001-AC4F-418D-AE19-62706E023703}">
+                      <ahyp:hlinkClr xmlns:ahyp="http://schemas.microsoft.com/office/drawing/2018/hyperlinkcolor" val="tx"/>
+                    </a:ext>
+                  </a:extLst>
+                </a:hlinkClick>
+              </a:rPr>
+              <a:t>02-MachineLearning</a:t>
+            </a:r>
+            <a:r>
+              <a:rPr lang="en-US" sz="1200" dirty="0">
+                <a:latin typeface="Helvetica"/>
+                <a:cs typeface="Helvetica"/>
+                <a:hlinkClick r:id="rId7">
+                  <a:extLst>
+                    <a:ext uri="{A12FA001-AC4F-418D-AE19-62706E023703}">
+                      <ahyp:hlinkClr xmlns:ahyp="http://schemas.microsoft.com/office/drawing/2018/hyperlinkcolor" val="tx"/>
+                    </a:ext>
+                  </a:extLst>
+                </a:hlinkClick>
+              </a:rPr>
+              <a:t>.ipynb</a:t>
+            </a:r>
+            <a:r>
+              <a:rPr lang="en-US" dirty="0">
+                <a:latin typeface="Helvetica"/>
+                <a:cs typeface="Helvetica"/>
+              </a:rPr>
               <a:t> </a:t>
             </a:r>
+            <a:endParaRPr lang="en-US"/>
           </a:p>
         </p:txBody>
       </p:sp>
